--- a/doc/Architecture.pptx
+++ b/doc/Architecture.pptx
@@ -192,7 +192,7 @@
           <a:p>
             <a:fld id="{BE560A8C-C0B4-46C8-BE0F-613DE108CAFA}" type="datetimeFigureOut">
               <a:rPr lang="ko-KR" altLang="en-US" smtClean="0"/>
-              <a:t>2021-09-11</a:t>
+              <a:t>2021-09-12</a:t>
             </a:fld>
             <a:endParaRPr lang="ko-KR" altLang="en-US"/>
           </a:p>
@@ -725,7 +725,7 @@
           <a:p>
             <a:fld id="{0ECDDD49-B10E-4D46-A514-A0BF90CE044C}" type="datetimeFigureOut">
               <a:rPr lang="ko-KR" altLang="en-US" smtClean="0"/>
-              <a:t>2021-09-11</a:t>
+              <a:t>2021-09-12</a:t>
             </a:fld>
             <a:endParaRPr lang="ko-KR" altLang="en-US"/>
           </a:p>
@@ -895,7 +895,7 @@
           <a:p>
             <a:fld id="{0ECDDD49-B10E-4D46-A514-A0BF90CE044C}" type="datetimeFigureOut">
               <a:rPr lang="ko-KR" altLang="en-US" smtClean="0"/>
-              <a:t>2021-09-11</a:t>
+              <a:t>2021-09-12</a:t>
             </a:fld>
             <a:endParaRPr lang="ko-KR" altLang="en-US"/>
           </a:p>
@@ -1075,7 +1075,7 @@
           <a:p>
             <a:fld id="{0ECDDD49-B10E-4D46-A514-A0BF90CE044C}" type="datetimeFigureOut">
               <a:rPr lang="ko-KR" altLang="en-US" smtClean="0"/>
-              <a:t>2021-09-11</a:t>
+              <a:t>2021-09-12</a:t>
             </a:fld>
             <a:endParaRPr lang="ko-KR" altLang="en-US"/>
           </a:p>
@@ -1245,7 +1245,7 @@
           <a:p>
             <a:fld id="{0ECDDD49-B10E-4D46-A514-A0BF90CE044C}" type="datetimeFigureOut">
               <a:rPr lang="ko-KR" altLang="en-US" smtClean="0"/>
-              <a:t>2021-09-11</a:t>
+              <a:t>2021-09-12</a:t>
             </a:fld>
             <a:endParaRPr lang="ko-KR" altLang="en-US"/>
           </a:p>
@@ -1491,7 +1491,7 @@
           <a:p>
             <a:fld id="{0ECDDD49-B10E-4D46-A514-A0BF90CE044C}" type="datetimeFigureOut">
               <a:rPr lang="ko-KR" altLang="en-US" smtClean="0"/>
-              <a:t>2021-09-11</a:t>
+              <a:t>2021-09-12</a:t>
             </a:fld>
             <a:endParaRPr lang="ko-KR" altLang="en-US"/>
           </a:p>
@@ -1779,7 +1779,7 @@
           <a:p>
             <a:fld id="{0ECDDD49-B10E-4D46-A514-A0BF90CE044C}" type="datetimeFigureOut">
               <a:rPr lang="ko-KR" altLang="en-US" smtClean="0"/>
-              <a:t>2021-09-11</a:t>
+              <a:t>2021-09-12</a:t>
             </a:fld>
             <a:endParaRPr lang="ko-KR" altLang="en-US"/>
           </a:p>
@@ -2201,7 +2201,7 @@
           <a:p>
             <a:fld id="{0ECDDD49-B10E-4D46-A514-A0BF90CE044C}" type="datetimeFigureOut">
               <a:rPr lang="ko-KR" altLang="en-US" smtClean="0"/>
-              <a:t>2021-09-11</a:t>
+              <a:t>2021-09-12</a:t>
             </a:fld>
             <a:endParaRPr lang="ko-KR" altLang="en-US"/>
           </a:p>
@@ -2319,7 +2319,7 @@
           <a:p>
             <a:fld id="{0ECDDD49-B10E-4D46-A514-A0BF90CE044C}" type="datetimeFigureOut">
               <a:rPr lang="ko-KR" altLang="en-US" smtClean="0"/>
-              <a:t>2021-09-11</a:t>
+              <a:t>2021-09-12</a:t>
             </a:fld>
             <a:endParaRPr lang="ko-KR" altLang="en-US"/>
           </a:p>
@@ -2414,7 +2414,7 @@
           <a:p>
             <a:fld id="{0ECDDD49-B10E-4D46-A514-A0BF90CE044C}" type="datetimeFigureOut">
               <a:rPr lang="ko-KR" altLang="en-US" smtClean="0"/>
-              <a:t>2021-09-11</a:t>
+              <a:t>2021-09-12</a:t>
             </a:fld>
             <a:endParaRPr lang="ko-KR" altLang="en-US"/>
           </a:p>
@@ -2691,7 +2691,7 @@
           <a:p>
             <a:fld id="{0ECDDD49-B10E-4D46-A514-A0BF90CE044C}" type="datetimeFigureOut">
               <a:rPr lang="ko-KR" altLang="en-US" smtClean="0"/>
-              <a:t>2021-09-11</a:t>
+              <a:t>2021-09-12</a:t>
             </a:fld>
             <a:endParaRPr lang="ko-KR" altLang="en-US"/>
           </a:p>
@@ -2944,7 +2944,7 @@
           <a:p>
             <a:fld id="{0ECDDD49-B10E-4D46-A514-A0BF90CE044C}" type="datetimeFigureOut">
               <a:rPr lang="ko-KR" altLang="en-US" smtClean="0"/>
-              <a:t>2021-09-11</a:t>
+              <a:t>2021-09-12</a:t>
             </a:fld>
             <a:endParaRPr lang="ko-KR" altLang="en-US"/>
           </a:p>
@@ -3157,7 +3157,7 @@
           <a:p>
             <a:fld id="{0ECDDD49-B10E-4D46-A514-A0BF90CE044C}" type="datetimeFigureOut">
               <a:rPr lang="ko-KR" altLang="en-US" smtClean="0"/>
-              <a:t>2021-09-11</a:t>
+              <a:t>2021-09-12</a:t>
             </a:fld>
             <a:endParaRPr lang="ko-KR" altLang="en-US"/>
           </a:p>
@@ -4401,8 +4401,8 @@
         </p:nvSpPr>
         <p:spPr>
           <a:xfrm>
-            <a:off x="4139999" y="3933056"/>
-            <a:ext cx="864000" cy="288032"/>
+            <a:off x="4067996" y="3933056"/>
+            <a:ext cx="1008000" cy="288032"/>
           </a:xfrm>
           <a:prstGeom prst="rightArrow">
             <a:avLst/>
@@ -4601,8 +4601,8 @@
         </p:nvSpPr>
         <p:spPr>
           <a:xfrm rot="10800000">
-            <a:off x="4139999" y="4870800"/>
-            <a:ext cx="864000" cy="288032"/>
+            <a:off x="4067999" y="4870800"/>
+            <a:ext cx="1008000" cy="288032"/>
           </a:xfrm>
           <a:prstGeom prst="rightArrow">
             <a:avLst/>
@@ -4651,8 +4651,8 @@
         </p:nvSpPr>
         <p:spPr>
           <a:xfrm>
-            <a:off x="4139999" y="5158800"/>
-            <a:ext cx="864000" cy="288032"/>
+            <a:off x="4067999" y="5158800"/>
+            <a:ext cx="1008000" cy="288032"/>
           </a:xfrm>
           <a:prstGeom prst="rightArrow">
             <a:avLst/>
@@ -4746,7 +4746,7 @@
                   <a:schemeClr val="tx1"/>
                 </a:solidFill>
               </a:rPr>
-              <a:t>Socket.Connect</a:t>
+              <a:t>socket.connect</a:t>
             </a:r>
             <a:endParaRPr lang="ko-KR" altLang="en-US" sz="800" b="1" dirty="0">
               <a:solidFill>
@@ -4809,7 +4809,7 @@
                   <a:schemeClr val="tx1"/>
                 </a:solidFill>
               </a:rPr>
-              <a:t>If (Socket.Connect)</a:t>
+              <a:t>If (socket.connect)</a:t>
             </a:r>
             <a:endParaRPr lang="ko-KR" altLang="en-US" sz="800" b="1" dirty="0">
               <a:solidFill>
@@ -4936,6 +4936,286 @@
                 </a:solidFill>
               </a:rPr>
               <a:t>writer.flush(Connection)</a:t>
+            </a:r>
+            <a:endParaRPr lang="ko-KR" altLang="en-US" sz="800" b="1" dirty="0">
+              <a:solidFill>
+                <a:schemeClr val="tx1"/>
+              </a:solidFill>
+            </a:endParaRPr>
+          </a:p>
+        </p:txBody>
+      </p:sp>
+      <p:sp>
+        <p:nvSpPr>
+          <p:cNvPr id="7" name="U자형 화살표 6"/>
+          <p:cNvSpPr/>
+          <p:nvPr/>
+        </p:nvSpPr>
+        <p:spPr>
+          <a:xfrm rot="16200000">
+            <a:off x="-1561170" y="3456000"/>
+            <a:ext cx="4021204" cy="683854"/>
+          </a:xfrm>
+          <a:prstGeom prst="uturnArrow">
+            <a:avLst/>
+          </a:prstGeom>
+          <a:solidFill>
+            <a:schemeClr val="bg1"/>
+          </a:solidFill>
+          <a:ln>
+            <a:solidFill>
+              <a:schemeClr val="bg1">
+                <a:lumMod val="50000"/>
+              </a:schemeClr>
+            </a:solidFill>
+          </a:ln>
+        </p:spPr>
+        <p:style>
+          <a:lnRef idx="2">
+            <a:schemeClr val="accent1">
+              <a:shade val="50000"/>
+            </a:schemeClr>
+          </a:lnRef>
+          <a:fillRef idx="1">
+            <a:schemeClr val="accent1"/>
+          </a:fillRef>
+          <a:effectRef idx="0">
+            <a:schemeClr val="accent1"/>
+          </a:effectRef>
+          <a:fontRef idx="minor">
+            <a:schemeClr val="lt1"/>
+          </a:fontRef>
+        </p:style>
+        <p:txBody>
+          <a:bodyPr rtlCol="0" anchor="ctr"/>
+          <a:lstStyle/>
+          <a:p>
+            <a:pPr algn="ctr"/>
+            <a:endParaRPr lang="ko-KR" altLang="en-US">
+              <a:solidFill>
+                <a:schemeClr val="tx1"/>
+              </a:solidFill>
+            </a:endParaRPr>
+          </a:p>
+        </p:txBody>
+      </p:sp>
+      <p:sp>
+        <p:nvSpPr>
+          <p:cNvPr id="32" name="오른쪽 화살표 31"/>
+          <p:cNvSpPr/>
+          <p:nvPr/>
+        </p:nvSpPr>
+        <p:spPr>
+          <a:xfrm rot="16200000">
+            <a:off x="1831253" y="3289427"/>
+            <a:ext cx="728966" cy="288032"/>
+          </a:xfrm>
+          <a:prstGeom prst="rightArrow">
+            <a:avLst/>
+          </a:prstGeom>
+          <a:solidFill>
+            <a:schemeClr val="bg1"/>
+          </a:solidFill>
+          <a:ln>
+            <a:solidFill>
+              <a:schemeClr val="bg1">
+                <a:lumMod val="50000"/>
+              </a:schemeClr>
+            </a:solidFill>
+          </a:ln>
+        </p:spPr>
+        <p:style>
+          <a:lnRef idx="2">
+            <a:schemeClr val="accent1">
+              <a:shade val="50000"/>
+            </a:schemeClr>
+          </a:lnRef>
+          <a:fillRef idx="1">
+            <a:schemeClr val="accent1"/>
+          </a:fillRef>
+          <a:effectRef idx="0">
+            <a:schemeClr val="accent1"/>
+          </a:effectRef>
+          <a:fontRef idx="minor">
+            <a:schemeClr val="lt1"/>
+          </a:fontRef>
+        </p:style>
+        <p:txBody>
+          <a:bodyPr rtlCol="0" anchor="ctr"/>
+          <a:lstStyle/>
+          <a:p>
+            <a:pPr algn="ctr"/>
+            <a:endParaRPr lang="ko-KR" altLang="en-US"/>
+          </a:p>
+        </p:txBody>
+      </p:sp>
+      <p:sp>
+        <p:nvSpPr>
+          <p:cNvPr id="33" name="오른쪽 화살표 32"/>
+          <p:cNvSpPr/>
+          <p:nvPr/>
+        </p:nvSpPr>
+        <p:spPr>
+          <a:xfrm rot="5400000">
+            <a:off x="2173517" y="3289428"/>
+            <a:ext cx="728966" cy="288032"/>
+          </a:xfrm>
+          <a:prstGeom prst="rightArrow">
+            <a:avLst/>
+          </a:prstGeom>
+          <a:solidFill>
+            <a:schemeClr val="bg1"/>
+          </a:solidFill>
+          <a:ln>
+            <a:solidFill>
+              <a:schemeClr val="bg1">
+                <a:lumMod val="50000"/>
+              </a:schemeClr>
+            </a:solidFill>
+          </a:ln>
+        </p:spPr>
+        <p:style>
+          <a:lnRef idx="2">
+            <a:schemeClr val="accent1">
+              <a:shade val="50000"/>
+            </a:schemeClr>
+          </a:lnRef>
+          <a:fillRef idx="1">
+            <a:schemeClr val="accent1"/>
+          </a:fillRef>
+          <a:effectRef idx="0">
+            <a:schemeClr val="accent1"/>
+          </a:effectRef>
+          <a:fontRef idx="minor">
+            <a:schemeClr val="lt1"/>
+          </a:fontRef>
+        </p:style>
+        <p:txBody>
+          <a:bodyPr rtlCol="0" anchor="ctr"/>
+          <a:lstStyle/>
+          <a:p>
+            <a:pPr algn="ctr"/>
+            <a:endParaRPr lang="ko-KR" altLang="en-US"/>
+          </a:p>
+        </p:txBody>
+      </p:sp>
+      <p:sp>
+        <p:nvSpPr>
+          <p:cNvPr id="35" name="직사각형 34"/>
+          <p:cNvSpPr/>
+          <p:nvPr/>
+        </p:nvSpPr>
+        <p:spPr>
+          <a:xfrm>
+            <a:off x="2707937" y="3356992"/>
+            <a:ext cx="1100964" cy="198005"/>
+          </a:xfrm>
+          <a:prstGeom prst="rect">
+            <a:avLst/>
+          </a:prstGeom>
+          <a:solidFill>
+            <a:schemeClr val="bg1"/>
+          </a:solidFill>
+          <a:ln w="12700">
+            <a:solidFill>
+              <a:schemeClr val="bg1">
+                <a:lumMod val="85000"/>
+              </a:schemeClr>
+            </a:solidFill>
+            <a:prstDash val="dash"/>
+          </a:ln>
+        </p:spPr>
+        <p:style>
+          <a:lnRef idx="2">
+            <a:schemeClr val="accent1">
+              <a:shade val="50000"/>
+            </a:schemeClr>
+          </a:lnRef>
+          <a:fillRef idx="1">
+            <a:schemeClr val="accent1"/>
+          </a:fillRef>
+          <a:effectRef idx="0">
+            <a:schemeClr val="accent1"/>
+          </a:effectRef>
+          <a:fontRef idx="minor">
+            <a:schemeClr val="lt1"/>
+          </a:fontRef>
+        </p:style>
+        <p:txBody>
+          <a:bodyPr rtlCol="0" anchor="ctr"/>
+          <a:lstStyle/>
+          <a:p>
+            <a:pPr algn="ctr"/>
+            <a:r>
+              <a:rPr lang="en-US" altLang="ko-KR" sz="800" b="1" dirty="0" smtClean="0">
+                <a:solidFill>
+                  <a:schemeClr val="tx1"/>
+                </a:solidFill>
+              </a:rPr>
+              <a:t>List of Agent</a:t>
+            </a:r>
+            <a:endParaRPr lang="ko-KR" altLang="en-US" sz="800" b="1" dirty="0">
+              <a:solidFill>
+                <a:schemeClr val="tx1"/>
+              </a:solidFill>
+            </a:endParaRPr>
+          </a:p>
+        </p:txBody>
+      </p:sp>
+      <p:sp>
+        <p:nvSpPr>
+          <p:cNvPr id="37" name="직사각형 36"/>
+          <p:cNvSpPr/>
+          <p:nvPr/>
+        </p:nvSpPr>
+        <p:spPr>
+          <a:xfrm>
+            <a:off x="323528" y="2492896"/>
+            <a:ext cx="1100964" cy="198005"/>
+          </a:xfrm>
+          <a:prstGeom prst="rect">
+            <a:avLst/>
+          </a:prstGeom>
+          <a:solidFill>
+            <a:schemeClr val="bg1"/>
+          </a:solidFill>
+          <a:ln w="12700">
+            <a:solidFill>
+              <a:schemeClr val="bg1">
+                <a:lumMod val="85000"/>
+              </a:schemeClr>
+            </a:solidFill>
+            <a:prstDash val="dash"/>
+          </a:ln>
+        </p:spPr>
+        <p:style>
+          <a:lnRef idx="2">
+            <a:schemeClr val="accent1">
+              <a:shade val="50000"/>
+            </a:schemeClr>
+          </a:lnRef>
+          <a:fillRef idx="1">
+            <a:schemeClr val="accent1"/>
+          </a:fillRef>
+          <a:effectRef idx="0">
+            <a:schemeClr val="accent1"/>
+          </a:effectRef>
+          <a:fontRef idx="minor">
+            <a:schemeClr val="lt1"/>
+          </a:fontRef>
+        </p:style>
+        <p:txBody>
+          <a:bodyPr rtlCol="0" anchor="ctr"/>
+          <a:lstStyle/>
+          <a:p>
+            <a:pPr algn="ctr"/>
+            <a:r>
+              <a:rPr lang="en-US" altLang="ko-KR" sz="800" b="1" dirty="0" smtClean="0">
+                <a:solidFill>
+                  <a:schemeClr val="tx1"/>
+                </a:solidFill>
+              </a:rPr>
+              <a:t>Insert Data</a:t>
             </a:r>
             <a:endParaRPr lang="ko-KR" altLang="en-US" sz="800" b="1" dirty="0">
               <a:solidFill>

--- a/doc/Architecture.pptx
+++ b/doc/Architecture.pptx
@@ -5,10 +5,11 @@
     <p:sldMasterId id="2147483648" r:id="rId1"/>
   </p:sldMasterIdLst>
   <p:notesMasterIdLst>
-    <p:notesMasterId r:id="rId3"/>
+    <p:notesMasterId r:id="rId4"/>
   </p:notesMasterIdLst>
   <p:sldIdLst>
-    <p:sldId id="256" r:id="rId2"/>
+    <p:sldId id="257" r:id="rId2"/>
+    <p:sldId id="256" r:id="rId3"/>
   </p:sldIdLst>
   <p:sldSz cx="9144000" cy="6858000" type="screen4x3"/>
   <p:notesSz cx="6858000" cy="9144000"/>
@@ -525,7 +526,7 @@
           <a:p>
             <a:fld id="{1B65C973-27CD-43D0-882F-7ED0EF667657}" type="slidenum">
               <a:rPr lang="ko-KR" altLang="en-US" smtClean="0"/>
-              <a:t>1</a:t>
+              <a:t>2</a:t>
             </a:fld>
             <a:endParaRPr lang="ko-KR" altLang="en-US"/>
           </a:p>
@@ -3532,6 +3533,589 @@
           <a:chExt cx="0" cy="0"/>
         </a:xfrm>
       </p:grpSpPr>
+      <p:sp>
+        <p:nvSpPr>
+          <p:cNvPr id="5" name="직사각형 4"/>
+          <p:cNvSpPr/>
+          <p:nvPr/>
+        </p:nvSpPr>
+        <p:spPr>
+          <a:xfrm>
+            <a:off x="2492989" y="692696"/>
+            <a:ext cx="1980000" cy="1152128"/>
+          </a:xfrm>
+          <a:prstGeom prst="rect">
+            <a:avLst/>
+          </a:prstGeom>
+          <a:solidFill>
+            <a:schemeClr val="bg1">
+              <a:lumMod val="65000"/>
+            </a:schemeClr>
+          </a:solidFill>
+          <a:ln>
+            <a:solidFill>
+              <a:schemeClr val="bg1">
+                <a:lumMod val="50000"/>
+              </a:schemeClr>
+            </a:solidFill>
+          </a:ln>
+        </p:spPr>
+        <p:style>
+          <a:lnRef idx="2">
+            <a:schemeClr val="accent1">
+              <a:shade val="50000"/>
+            </a:schemeClr>
+          </a:lnRef>
+          <a:fillRef idx="1">
+            <a:schemeClr val="accent1"/>
+          </a:fillRef>
+          <a:effectRef idx="0">
+            <a:schemeClr val="accent1"/>
+          </a:effectRef>
+          <a:fontRef idx="minor">
+            <a:schemeClr val="lt1"/>
+          </a:fontRef>
+        </p:style>
+        <p:txBody>
+          <a:bodyPr rtlCol="0" anchor="ctr"/>
+          <a:lstStyle/>
+          <a:p>
+            <a:pPr algn="ctr"/>
+            <a:r>
+              <a:rPr lang="en-US" altLang="ko-KR" b="1" dirty="0"/>
+              <a:t>Console</a:t>
+            </a:r>
+            <a:endParaRPr lang="ko-KR" altLang="en-US" dirty="0"/>
+          </a:p>
+        </p:txBody>
+      </p:sp>
+      <p:sp>
+        <p:nvSpPr>
+          <p:cNvPr id="8" name="직사각형 7"/>
+          <p:cNvSpPr/>
+          <p:nvPr/>
+        </p:nvSpPr>
+        <p:spPr>
+          <a:xfrm>
+            <a:off x="323528" y="692696"/>
+            <a:ext cx="1980000" cy="1152128"/>
+          </a:xfrm>
+          <a:prstGeom prst="rect">
+            <a:avLst/>
+          </a:prstGeom>
+          <a:solidFill>
+            <a:srgbClr val="FF7C80"/>
+          </a:solidFill>
+          <a:ln>
+            <a:solidFill>
+              <a:schemeClr val="bg1">
+                <a:lumMod val="50000"/>
+              </a:schemeClr>
+            </a:solidFill>
+          </a:ln>
+        </p:spPr>
+        <p:style>
+          <a:lnRef idx="2">
+            <a:schemeClr val="accent1">
+              <a:shade val="50000"/>
+            </a:schemeClr>
+          </a:lnRef>
+          <a:fillRef idx="1">
+            <a:schemeClr val="accent1"/>
+          </a:fillRef>
+          <a:effectRef idx="0">
+            <a:schemeClr val="accent1"/>
+          </a:effectRef>
+          <a:fontRef idx="minor">
+            <a:schemeClr val="lt1"/>
+          </a:fontRef>
+        </p:style>
+        <p:txBody>
+          <a:bodyPr rtlCol="0" anchor="ctr"/>
+          <a:lstStyle/>
+          <a:p>
+            <a:pPr algn="ctr"/>
+            <a:r>
+              <a:rPr lang="en-US" altLang="ko-KR" b="1" dirty="0" smtClean="0"/>
+              <a:t>Client</a:t>
+            </a:r>
+            <a:endParaRPr lang="ko-KR" altLang="en-US" dirty="0"/>
+          </a:p>
+        </p:txBody>
+      </p:sp>
+      <p:sp>
+        <p:nvSpPr>
+          <p:cNvPr id="11" name="직사각형 10"/>
+          <p:cNvSpPr/>
+          <p:nvPr/>
+        </p:nvSpPr>
+        <p:spPr>
+          <a:xfrm>
+            <a:off x="4644008" y="692696"/>
+            <a:ext cx="1980000" cy="1152128"/>
+          </a:xfrm>
+          <a:prstGeom prst="rect">
+            <a:avLst/>
+          </a:prstGeom>
+          <a:solidFill>
+            <a:schemeClr val="tx2">
+              <a:lumMod val="60000"/>
+              <a:lumOff val="40000"/>
+            </a:schemeClr>
+          </a:solidFill>
+          <a:ln>
+            <a:solidFill>
+              <a:schemeClr val="bg1">
+                <a:lumMod val="50000"/>
+              </a:schemeClr>
+            </a:solidFill>
+          </a:ln>
+        </p:spPr>
+        <p:style>
+          <a:lnRef idx="2">
+            <a:schemeClr val="accent1">
+              <a:shade val="50000"/>
+            </a:schemeClr>
+          </a:lnRef>
+          <a:fillRef idx="1">
+            <a:schemeClr val="accent1"/>
+          </a:fillRef>
+          <a:effectRef idx="0">
+            <a:schemeClr val="accent1"/>
+          </a:effectRef>
+          <a:fontRef idx="minor">
+            <a:schemeClr val="lt1"/>
+          </a:fontRef>
+        </p:style>
+        <p:txBody>
+          <a:bodyPr rtlCol="0" anchor="ctr"/>
+          <a:lstStyle/>
+          <a:p>
+            <a:pPr algn="ctr"/>
+            <a:r>
+              <a:rPr lang="en-US" altLang="ko-KR" b="1" dirty="0" smtClean="0"/>
+              <a:t>Database</a:t>
+            </a:r>
+            <a:endParaRPr lang="en-US" altLang="ko-KR" b="1" dirty="0"/>
+          </a:p>
+        </p:txBody>
+      </p:sp>
+      <p:sp>
+        <p:nvSpPr>
+          <p:cNvPr id="14" name="직사각형 13"/>
+          <p:cNvSpPr/>
+          <p:nvPr/>
+        </p:nvSpPr>
+        <p:spPr>
+          <a:xfrm>
+            <a:off x="4644008" y="2276872"/>
+            <a:ext cx="1980000" cy="1152128"/>
+          </a:xfrm>
+          <a:prstGeom prst="rect">
+            <a:avLst/>
+          </a:prstGeom>
+          <a:solidFill>
+            <a:schemeClr val="bg1">
+              <a:lumMod val="65000"/>
+            </a:schemeClr>
+          </a:solidFill>
+          <a:ln>
+            <a:solidFill>
+              <a:schemeClr val="bg1">
+                <a:lumMod val="50000"/>
+              </a:schemeClr>
+            </a:solidFill>
+          </a:ln>
+        </p:spPr>
+        <p:style>
+          <a:lnRef idx="2">
+            <a:schemeClr val="accent1">
+              <a:shade val="50000"/>
+            </a:schemeClr>
+          </a:lnRef>
+          <a:fillRef idx="1">
+            <a:schemeClr val="accent1"/>
+          </a:fillRef>
+          <a:effectRef idx="0">
+            <a:schemeClr val="accent1"/>
+          </a:effectRef>
+          <a:fontRef idx="minor">
+            <a:schemeClr val="lt1"/>
+          </a:fontRef>
+        </p:style>
+        <p:txBody>
+          <a:bodyPr rtlCol="0" anchor="ctr"/>
+          <a:lstStyle/>
+          <a:p>
+            <a:pPr algn="ctr"/>
+            <a:r>
+              <a:rPr lang="en-US" altLang="ko-KR" b="1" dirty="0"/>
+              <a:t>Manager</a:t>
+            </a:r>
+            <a:endParaRPr lang="ko-KR" altLang="en-US" dirty="0"/>
+          </a:p>
+        </p:txBody>
+      </p:sp>
+      <p:sp>
+        <p:nvSpPr>
+          <p:cNvPr id="17" name="직사각형 16"/>
+          <p:cNvSpPr/>
+          <p:nvPr/>
+        </p:nvSpPr>
+        <p:spPr>
+          <a:xfrm>
+            <a:off x="2484000" y="3861048"/>
+            <a:ext cx="1980000" cy="1152128"/>
+          </a:xfrm>
+          <a:prstGeom prst="rect">
+            <a:avLst/>
+          </a:prstGeom>
+          <a:solidFill>
+            <a:schemeClr val="bg1">
+              <a:lumMod val="65000"/>
+            </a:schemeClr>
+          </a:solidFill>
+          <a:ln>
+            <a:solidFill>
+              <a:schemeClr val="bg1">
+                <a:lumMod val="50000"/>
+              </a:schemeClr>
+            </a:solidFill>
+          </a:ln>
+        </p:spPr>
+        <p:style>
+          <a:lnRef idx="2">
+            <a:schemeClr val="accent1">
+              <a:shade val="50000"/>
+            </a:schemeClr>
+          </a:lnRef>
+          <a:fillRef idx="1">
+            <a:schemeClr val="accent1"/>
+          </a:fillRef>
+          <a:effectRef idx="0">
+            <a:schemeClr val="accent1"/>
+          </a:effectRef>
+          <a:fontRef idx="minor">
+            <a:schemeClr val="lt1"/>
+          </a:fontRef>
+        </p:style>
+        <p:txBody>
+          <a:bodyPr rtlCol="0" anchor="ctr"/>
+          <a:lstStyle/>
+          <a:p>
+            <a:pPr algn="ctr"/>
+            <a:r>
+              <a:rPr lang="en-US" altLang="ko-KR" b="1" dirty="0"/>
+              <a:t>Agent#1</a:t>
+            </a:r>
+            <a:endParaRPr lang="ko-KR" altLang="en-US" dirty="0"/>
+          </a:p>
+        </p:txBody>
+      </p:sp>
+      <p:sp>
+        <p:nvSpPr>
+          <p:cNvPr id="20" name="직사각형 19"/>
+          <p:cNvSpPr/>
+          <p:nvPr/>
+        </p:nvSpPr>
+        <p:spPr>
+          <a:xfrm>
+            <a:off x="4644008" y="3861048"/>
+            <a:ext cx="1980000" cy="1152128"/>
+          </a:xfrm>
+          <a:prstGeom prst="rect">
+            <a:avLst/>
+          </a:prstGeom>
+          <a:solidFill>
+            <a:schemeClr val="bg1">
+              <a:lumMod val="65000"/>
+            </a:schemeClr>
+          </a:solidFill>
+          <a:ln>
+            <a:solidFill>
+              <a:schemeClr val="bg1">
+                <a:lumMod val="50000"/>
+              </a:schemeClr>
+            </a:solidFill>
+          </a:ln>
+        </p:spPr>
+        <p:style>
+          <a:lnRef idx="2">
+            <a:schemeClr val="accent1">
+              <a:shade val="50000"/>
+            </a:schemeClr>
+          </a:lnRef>
+          <a:fillRef idx="1">
+            <a:schemeClr val="accent1"/>
+          </a:fillRef>
+          <a:effectRef idx="0">
+            <a:schemeClr val="accent1"/>
+          </a:effectRef>
+          <a:fontRef idx="minor">
+            <a:schemeClr val="lt1"/>
+          </a:fontRef>
+        </p:style>
+        <p:txBody>
+          <a:bodyPr rtlCol="0" anchor="ctr"/>
+          <a:lstStyle/>
+          <a:p>
+            <a:pPr algn="ctr"/>
+            <a:r>
+              <a:rPr lang="en-US" altLang="ko-KR" b="1" dirty="0"/>
+              <a:t>Agent#2</a:t>
+            </a:r>
+            <a:endParaRPr lang="ko-KR" altLang="en-US" dirty="0"/>
+          </a:p>
+        </p:txBody>
+      </p:sp>
+      <p:sp>
+        <p:nvSpPr>
+          <p:cNvPr id="23" name="직사각형 22"/>
+          <p:cNvSpPr/>
+          <p:nvPr/>
+        </p:nvSpPr>
+        <p:spPr>
+          <a:xfrm>
+            <a:off x="6804000" y="3839691"/>
+            <a:ext cx="1980000" cy="1152128"/>
+          </a:xfrm>
+          <a:prstGeom prst="rect">
+            <a:avLst/>
+          </a:prstGeom>
+          <a:solidFill>
+            <a:schemeClr val="bg1">
+              <a:lumMod val="65000"/>
+            </a:schemeClr>
+          </a:solidFill>
+          <a:ln>
+            <a:solidFill>
+              <a:schemeClr val="bg1">
+                <a:lumMod val="50000"/>
+              </a:schemeClr>
+            </a:solidFill>
+          </a:ln>
+        </p:spPr>
+        <p:style>
+          <a:lnRef idx="2">
+            <a:schemeClr val="accent1">
+              <a:shade val="50000"/>
+            </a:schemeClr>
+          </a:lnRef>
+          <a:fillRef idx="1">
+            <a:schemeClr val="accent1"/>
+          </a:fillRef>
+          <a:effectRef idx="0">
+            <a:schemeClr val="accent1"/>
+          </a:effectRef>
+          <a:fontRef idx="minor">
+            <a:schemeClr val="lt1"/>
+          </a:fontRef>
+        </p:style>
+        <p:txBody>
+          <a:bodyPr rtlCol="0" anchor="ctr"/>
+          <a:lstStyle/>
+          <a:p>
+            <a:pPr algn="ctr"/>
+            <a:r>
+              <a:rPr lang="en-US" altLang="ko-KR" b="1" dirty="0"/>
+              <a:t>Agent#3</a:t>
+            </a:r>
+            <a:endParaRPr lang="ko-KR" altLang="en-US" dirty="0"/>
+          </a:p>
+        </p:txBody>
+      </p:sp>
+      <p:sp>
+        <p:nvSpPr>
+          <p:cNvPr id="26" name="직사각형 25"/>
+          <p:cNvSpPr/>
+          <p:nvPr/>
+        </p:nvSpPr>
+        <p:spPr>
+          <a:xfrm>
+            <a:off x="2484000" y="5445224"/>
+            <a:ext cx="1980000" cy="1152128"/>
+          </a:xfrm>
+          <a:prstGeom prst="rect">
+            <a:avLst/>
+          </a:prstGeom>
+          <a:solidFill>
+            <a:srgbClr val="92D050"/>
+          </a:solidFill>
+          <a:ln>
+            <a:solidFill>
+              <a:schemeClr val="bg1">
+                <a:lumMod val="50000"/>
+              </a:schemeClr>
+            </a:solidFill>
+          </a:ln>
+        </p:spPr>
+        <p:style>
+          <a:lnRef idx="2">
+            <a:schemeClr val="accent1">
+              <a:shade val="50000"/>
+            </a:schemeClr>
+          </a:lnRef>
+          <a:fillRef idx="1">
+            <a:schemeClr val="accent1"/>
+          </a:fillRef>
+          <a:effectRef idx="0">
+            <a:schemeClr val="accent1"/>
+          </a:effectRef>
+          <a:fontRef idx="minor">
+            <a:schemeClr val="lt1"/>
+          </a:fontRef>
+        </p:style>
+        <p:txBody>
+          <a:bodyPr rtlCol="0" anchor="ctr"/>
+          <a:lstStyle/>
+          <a:p>
+            <a:pPr algn="ctr"/>
+            <a:r>
+              <a:rPr lang="en-US" altLang="ko-KR" b="1" dirty="0" smtClean="0"/>
+              <a:t>Target#1</a:t>
+            </a:r>
+            <a:endParaRPr lang="en-US" altLang="ko-KR" b="1" dirty="0"/>
+          </a:p>
+        </p:txBody>
+      </p:sp>
+      <p:sp>
+        <p:nvSpPr>
+          <p:cNvPr id="29" name="직사각형 28"/>
+          <p:cNvSpPr/>
+          <p:nvPr/>
+        </p:nvSpPr>
+        <p:spPr>
+          <a:xfrm>
+            <a:off x="4644008" y="5445224"/>
+            <a:ext cx="1980000" cy="1152128"/>
+          </a:xfrm>
+          <a:prstGeom prst="rect">
+            <a:avLst/>
+          </a:prstGeom>
+          <a:solidFill>
+            <a:srgbClr val="92D050"/>
+          </a:solidFill>
+          <a:ln>
+            <a:solidFill>
+              <a:schemeClr val="bg1">
+                <a:lumMod val="50000"/>
+              </a:schemeClr>
+            </a:solidFill>
+          </a:ln>
+        </p:spPr>
+        <p:style>
+          <a:lnRef idx="2">
+            <a:schemeClr val="accent1">
+              <a:shade val="50000"/>
+            </a:schemeClr>
+          </a:lnRef>
+          <a:fillRef idx="1">
+            <a:schemeClr val="accent1"/>
+          </a:fillRef>
+          <a:effectRef idx="0">
+            <a:schemeClr val="accent1"/>
+          </a:effectRef>
+          <a:fontRef idx="minor">
+            <a:schemeClr val="lt1"/>
+          </a:fontRef>
+        </p:style>
+        <p:txBody>
+          <a:bodyPr rtlCol="0" anchor="ctr"/>
+          <a:lstStyle/>
+          <a:p>
+            <a:pPr algn="ctr"/>
+            <a:r>
+              <a:rPr lang="en-US" altLang="ko-KR" b="1" dirty="0"/>
+              <a:t>Target#2</a:t>
+            </a:r>
+            <a:endParaRPr lang="ko-KR" altLang="en-US" dirty="0"/>
+          </a:p>
+        </p:txBody>
+      </p:sp>
+      <p:sp>
+        <p:nvSpPr>
+          <p:cNvPr id="32" name="직사각형 31"/>
+          <p:cNvSpPr/>
+          <p:nvPr/>
+        </p:nvSpPr>
+        <p:spPr>
+          <a:xfrm>
+            <a:off x="6804000" y="5423867"/>
+            <a:ext cx="1980000" cy="1152128"/>
+          </a:xfrm>
+          <a:prstGeom prst="rect">
+            <a:avLst/>
+          </a:prstGeom>
+          <a:solidFill>
+            <a:srgbClr val="92D050"/>
+          </a:solidFill>
+          <a:ln>
+            <a:solidFill>
+              <a:schemeClr val="bg1">
+                <a:lumMod val="50000"/>
+              </a:schemeClr>
+            </a:solidFill>
+          </a:ln>
+        </p:spPr>
+        <p:style>
+          <a:lnRef idx="2">
+            <a:schemeClr val="accent1">
+              <a:shade val="50000"/>
+            </a:schemeClr>
+          </a:lnRef>
+          <a:fillRef idx="1">
+            <a:schemeClr val="accent1"/>
+          </a:fillRef>
+          <a:effectRef idx="0">
+            <a:schemeClr val="accent1"/>
+          </a:effectRef>
+          <a:fontRef idx="minor">
+            <a:schemeClr val="lt1"/>
+          </a:fontRef>
+        </p:style>
+        <p:txBody>
+          <a:bodyPr rtlCol="0" anchor="ctr"/>
+          <a:lstStyle/>
+          <a:p>
+            <a:pPr algn="ctr"/>
+            <a:r>
+              <a:rPr lang="en-US" altLang="ko-KR" b="1" dirty="0"/>
+              <a:t>Target#2</a:t>
+            </a:r>
+            <a:endParaRPr lang="ko-KR" altLang="en-US" dirty="0"/>
+          </a:p>
+        </p:txBody>
+      </p:sp>
+    </p:spTree>
+    <p:extLst>
+      <p:ext uri="{BB962C8B-B14F-4D97-AF65-F5344CB8AC3E}">
+        <p14:creationId xmlns:p14="http://schemas.microsoft.com/office/powerpoint/2010/main" val="1314209417"/>
+      </p:ext>
+    </p:extLst>
+  </p:cSld>
+  <p:clrMapOvr>
+    <a:masterClrMapping/>
+  </p:clrMapOvr>
+</p:sld>
+</file>
+
+<file path=ppt/slides/slide2.xml><?xml version="1.0" encoding="utf-8"?>
+<p:sld xmlns:a="http://schemas.openxmlformats.org/drawingml/2006/main" xmlns:r="http://schemas.openxmlformats.org/officeDocument/2006/relationships" xmlns:p="http://schemas.openxmlformats.org/presentationml/2006/main">
+  <p:cSld>
+    <p:spTree>
+      <p:nvGrpSpPr>
+        <p:cNvPr id="1" name=""/>
+        <p:cNvGrpSpPr/>
+        <p:nvPr/>
+      </p:nvGrpSpPr>
+      <p:grpSpPr>
+        <a:xfrm>
+          <a:off x="0" y="0"/>
+          <a:ext cx="0" cy="0"/>
+          <a:chOff x="0" y="0"/>
+          <a:chExt cx="0" cy="0"/>
+        </a:xfrm>
+      </p:grpSpPr>
       <p:grpSp>
         <p:nvGrpSpPr>
           <p:cNvPr id="4" name="그룹 3"/>

--- a/doc/Architecture.pptx
+++ b/doc/Architecture.pptx
@@ -193,7 +193,7 @@
           <a:p>
             <a:fld id="{BE560A8C-C0B4-46C8-BE0F-613DE108CAFA}" type="datetimeFigureOut">
               <a:rPr lang="ko-KR" altLang="en-US" smtClean="0"/>
-              <a:t>2021-09-12</a:t>
+              <a:t>2021-09-13</a:t>
             </a:fld>
             <a:endParaRPr lang="ko-KR" altLang="en-US"/>
           </a:p>
@@ -726,7 +726,7 @@
           <a:p>
             <a:fld id="{0ECDDD49-B10E-4D46-A514-A0BF90CE044C}" type="datetimeFigureOut">
               <a:rPr lang="ko-KR" altLang="en-US" smtClean="0"/>
-              <a:t>2021-09-12</a:t>
+              <a:t>2021-09-13</a:t>
             </a:fld>
             <a:endParaRPr lang="ko-KR" altLang="en-US"/>
           </a:p>
@@ -896,7 +896,7 @@
           <a:p>
             <a:fld id="{0ECDDD49-B10E-4D46-A514-A0BF90CE044C}" type="datetimeFigureOut">
               <a:rPr lang="ko-KR" altLang="en-US" smtClean="0"/>
-              <a:t>2021-09-12</a:t>
+              <a:t>2021-09-13</a:t>
             </a:fld>
             <a:endParaRPr lang="ko-KR" altLang="en-US"/>
           </a:p>
@@ -1076,7 +1076,7 @@
           <a:p>
             <a:fld id="{0ECDDD49-B10E-4D46-A514-A0BF90CE044C}" type="datetimeFigureOut">
               <a:rPr lang="ko-KR" altLang="en-US" smtClean="0"/>
-              <a:t>2021-09-12</a:t>
+              <a:t>2021-09-13</a:t>
             </a:fld>
             <a:endParaRPr lang="ko-KR" altLang="en-US"/>
           </a:p>
@@ -1246,7 +1246,7 @@
           <a:p>
             <a:fld id="{0ECDDD49-B10E-4D46-A514-A0BF90CE044C}" type="datetimeFigureOut">
               <a:rPr lang="ko-KR" altLang="en-US" smtClean="0"/>
-              <a:t>2021-09-12</a:t>
+              <a:t>2021-09-13</a:t>
             </a:fld>
             <a:endParaRPr lang="ko-KR" altLang="en-US"/>
           </a:p>
@@ -1492,7 +1492,7 @@
           <a:p>
             <a:fld id="{0ECDDD49-B10E-4D46-A514-A0BF90CE044C}" type="datetimeFigureOut">
               <a:rPr lang="ko-KR" altLang="en-US" smtClean="0"/>
-              <a:t>2021-09-12</a:t>
+              <a:t>2021-09-13</a:t>
             </a:fld>
             <a:endParaRPr lang="ko-KR" altLang="en-US"/>
           </a:p>
@@ -1780,7 +1780,7 @@
           <a:p>
             <a:fld id="{0ECDDD49-B10E-4D46-A514-A0BF90CE044C}" type="datetimeFigureOut">
               <a:rPr lang="ko-KR" altLang="en-US" smtClean="0"/>
-              <a:t>2021-09-12</a:t>
+              <a:t>2021-09-13</a:t>
             </a:fld>
             <a:endParaRPr lang="ko-KR" altLang="en-US"/>
           </a:p>
@@ -2202,7 +2202,7 @@
           <a:p>
             <a:fld id="{0ECDDD49-B10E-4D46-A514-A0BF90CE044C}" type="datetimeFigureOut">
               <a:rPr lang="ko-KR" altLang="en-US" smtClean="0"/>
-              <a:t>2021-09-12</a:t>
+              <a:t>2021-09-13</a:t>
             </a:fld>
             <a:endParaRPr lang="ko-KR" altLang="en-US"/>
           </a:p>
@@ -2320,7 +2320,7 @@
           <a:p>
             <a:fld id="{0ECDDD49-B10E-4D46-A514-A0BF90CE044C}" type="datetimeFigureOut">
               <a:rPr lang="ko-KR" altLang="en-US" smtClean="0"/>
-              <a:t>2021-09-12</a:t>
+              <a:t>2021-09-13</a:t>
             </a:fld>
             <a:endParaRPr lang="ko-KR" altLang="en-US"/>
           </a:p>
@@ -2415,7 +2415,7 @@
           <a:p>
             <a:fld id="{0ECDDD49-B10E-4D46-A514-A0BF90CE044C}" type="datetimeFigureOut">
               <a:rPr lang="ko-KR" altLang="en-US" smtClean="0"/>
-              <a:t>2021-09-12</a:t>
+              <a:t>2021-09-13</a:t>
             </a:fld>
             <a:endParaRPr lang="ko-KR" altLang="en-US"/>
           </a:p>
@@ -2692,7 +2692,7 @@
           <a:p>
             <a:fld id="{0ECDDD49-B10E-4D46-A514-A0BF90CE044C}" type="datetimeFigureOut">
               <a:rPr lang="ko-KR" altLang="en-US" smtClean="0"/>
-              <a:t>2021-09-12</a:t>
+              <a:t>2021-09-13</a:t>
             </a:fld>
             <a:endParaRPr lang="ko-KR" altLang="en-US"/>
           </a:p>
@@ -2945,7 +2945,7 @@
           <a:p>
             <a:fld id="{0ECDDD49-B10E-4D46-A514-A0BF90CE044C}" type="datetimeFigureOut">
               <a:rPr lang="ko-KR" altLang="en-US" smtClean="0"/>
-              <a:t>2021-09-12</a:t>
+              <a:t>2021-09-13</a:t>
             </a:fld>
             <a:endParaRPr lang="ko-KR" altLang="en-US"/>
           </a:p>
@@ -3158,7 +3158,7 @@
           <a:p>
             <a:fld id="{0ECDDD49-B10E-4D46-A514-A0BF90CE044C}" type="datetimeFigureOut">
               <a:rPr lang="ko-KR" altLang="en-US" smtClean="0"/>
-              <a:t>2021-09-12</a:t>
+              <a:t>2021-09-13</a:t>
             </a:fld>
             <a:endParaRPr lang="ko-KR" altLang="en-US"/>
           </a:p>
@@ -3541,8 +3541,8 @@
         </p:nvSpPr>
         <p:spPr>
           <a:xfrm>
-            <a:off x="2492989" y="692696"/>
-            <a:ext cx="1980000" cy="1152128"/>
+            <a:off x="2735976" y="476672"/>
+            <a:ext cx="1620000" cy="900000"/>
           </a:xfrm>
           <a:prstGeom prst="rect">
             <a:avLst/>
@@ -3597,8 +3597,8 @@
         </p:nvSpPr>
         <p:spPr>
           <a:xfrm>
-            <a:off x="323528" y="692696"/>
-            <a:ext cx="1980000" cy="1152128"/>
+            <a:off x="323528" y="476672"/>
+            <a:ext cx="1620000" cy="900000"/>
           </a:xfrm>
           <a:prstGeom prst="rect">
             <a:avLst/>
@@ -3651,8 +3651,8 @@
         </p:nvSpPr>
         <p:spPr>
           <a:xfrm>
-            <a:off x="4644008" y="692696"/>
-            <a:ext cx="1980000" cy="1152128"/>
+            <a:off x="5184248" y="476672"/>
+            <a:ext cx="1620000" cy="900000"/>
           </a:xfrm>
           <a:prstGeom prst="rect">
             <a:avLst/>
@@ -3708,8 +3708,8 @@
         </p:nvSpPr>
         <p:spPr>
           <a:xfrm>
-            <a:off x="4644008" y="2276872"/>
-            <a:ext cx="1980000" cy="1152128"/>
+            <a:off x="5184248" y="2168960"/>
+            <a:ext cx="1620000" cy="900000"/>
           </a:xfrm>
           <a:prstGeom prst="rect">
             <a:avLst/>
@@ -3764,8 +3764,8 @@
         </p:nvSpPr>
         <p:spPr>
           <a:xfrm>
-            <a:off x="2484000" y="3861048"/>
-            <a:ext cx="1980000" cy="1152128"/>
+            <a:off x="3347864" y="3897152"/>
+            <a:ext cx="1620000" cy="900000"/>
           </a:xfrm>
           <a:prstGeom prst="rect">
             <a:avLst/>
@@ -3820,8 +3820,8 @@
         </p:nvSpPr>
         <p:spPr>
           <a:xfrm>
-            <a:off x="4644008" y="3861048"/>
-            <a:ext cx="1980000" cy="1152128"/>
+            <a:off x="5184000" y="3897152"/>
+            <a:ext cx="1620000" cy="900000"/>
           </a:xfrm>
           <a:prstGeom prst="rect">
             <a:avLst/>
@@ -3876,8 +3876,8 @@
         </p:nvSpPr>
         <p:spPr>
           <a:xfrm>
-            <a:off x="6804000" y="3839691"/>
-            <a:ext cx="1980000" cy="1152128"/>
+            <a:off x="6984448" y="3897152"/>
+            <a:ext cx="1620000" cy="900000"/>
           </a:xfrm>
           <a:prstGeom prst="rect">
             <a:avLst/>
@@ -3917,7 +3917,7 @@
           <a:p>
             <a:pPr algn="ctr"/>
             <a:r>
-              <a:rPr lang="en-US" altLang="ko-KR" b="1" dirty="0"/>
+              <a:rPr lang="en-US" altLang="ko-KR" b="1" dirty="0" smtClean="0"/>
               <a:t>Agent#3</a:t>
             </a:r>
             <a:endParaRPr lang="ko-KR" altLang="en-US" dirty="0"/>
@@ -3932,8 +3932,8 @@
         </p:nvSpPr>
         <p:spPr>
           <a:xfrm>
-            <a:off x="2484000" y="5445224"/>
-            <a:ext cx="1980000" cy="1152128"/>
+            <a:off x="3347864" y="5625344"/>
+            <a:ext cx="1620000" cy="900000"/>
           </a:xfrm>
           <a:prstGeom prst="rect">
             <a:avLst/>
@@ -3986,8 +3986,8 @@
         </p:nvSpPr>
         <p:spPr>
           <a:xfrm>
-            <a:off x="4644008" y="5445224"/>
-            <a:ext cx="1980000" cy="1152128"/>
+            <a:off x="5184000" y="5625344"/>
+            <a:ext cx="1620000" cy="900000"/>
           </a:xfrm>
           <a:prstGeom prst="rect">
             <a:avLst/>
@@ -4040,8 +4040,8 @@
         </p:nvSpPr>
         <p:spPr>
           <a:xfrm>
-            <a:off x="6804000" y="5423867"/>
-            <a:ext cx="1980000" cy="1152128"/>
+            <a:off x="6984448" y="5620799"/>
+            <a:ext cx="1620000" cy="900000"/>
           </a:xfrm>
           <a:prstGeom prst="rect">
             <a:avLst/>
@@ -4079,10 +4079,910 @@
           <a:p>
             <a:pPr algn="ctr"/>
             <a:r>
-              <a:rPr lang="en-US" altLang="ko-KR" b="1" dirty="0"/>
-              <a:t>Target#2</a:t>
+              <a:rPr lang="en-US" altLang="ko-KR" b="1" dirty="0" smtClean="0"/>
+              <a:t>Target#3</a:t>
             </a:r>
             <a:endParaRPr lang="ko-KR" altLang="en-US" dirty="0"/>
+          </a:p>
+        </p:txBody>
+      </p:sp>
+      <p:sp>
+        <p:nvSpPr>
+          <p:cNvPr id="15" name="오른쪽 화살표 14"/>
+          <p:cNvSpPr/>
+          <p:nvPr/>
+        </p:nvSpPr>
+        <p:spPr>
+          <a:xfrm>
+            <a:off x="2051800" y="638672"/>
+            <a:ext cx="576000" cy="288032"/>
+          </a:xfrm>
+          <a:prstGeom prst="rightArrow">
+            <a:avLst/>
+          </a:prstGeom>
+          <a:solidFill>
+            <a:schemeClr val="bg1"/>
+          </a:solidFill>
+          <a:ln>
+            <a:solidFill>
+              <a:schemeClr val="bg1">
+                <a:lumMod val="50000"/>
+              </a:schemeClr>
+            </a:solidFill>
+          </a:ln>
+        </p:spPr>
+        <p:style>
+          <a:lnRef idx="2">
+            <a:schemeClr val="accent1">
+              <a:shade val="50000"/>
+            </a:schemeClr>
+          </a:lnRef>
+          <a:fillRef idx="1">
+            <a:schemeClr val="accent1"/>
+          </a:fillRef>
+          <a:effectRef idx="0">
+            <a:schemeClr val="accent1"/>
+          </a:effectRef>
+          <a:fontRef idx="minor">
+            <a:schemeClr val="lt1"/>
+          </a:fontRef>
+        </p:style>
+        <p:txBody>
+          <a:bodyPr rtlCol="0" anchor="ctr"/>
+          <a:lstStyle/>
+          <a:p>
+            <a:pPr algn="ctr"/>
+            <a:endParaRPr lang="ko-KR" altLang="en-US"/>
+          </a:p>
+        </p:txBody>
+      </p:sp>
+      <p:sp>
+        <p:nvSpPr>
+          <p:cNvPr id="16" name="오른쪽 화살표 15"/>
+          <p:cNvSpPr/>
+          <p:nvPr/>
+        </p:nvSpPr>
+        <p:spPr>
+          <a:xfrm rot="10800000">
+            <a:off x="2051800" y="926672"/>
+            <a:ext cx="576000" cy="288032"/>
+          </a:xfrm>
+          <a:prstGeom prst="rightArrow">
+            <a:avLst/>
+          </a:prstGeom>
+          <a:solidFill>
+            <a:schemeClr val="bg1"/>
+          </a:solidFill>
+          <a:ln>
+            <a:solidFill>
+              <a:schemeClr val="bg1">
+                <a:lumMod val="50000"/>
+              </a:schemeClr>
+            </a:solidFill>
+          </a:ln>
+        </p:spPr>
+        <p:style>
+          <a:lnRef idx="2">
+            <a:schemeClr val="accent1">
+              <a:shade val="50000"/>
+            </a:schemeClr>
+          </a:lnRef>
+          <a:fillRef idx="1">
+            <a:schemeClr val="accent1"/>
+          </a:fillRef>
+          <a:effectRef idx="0">
+            <a:schemeClr val="accent1"/>
+          </a:effectRef>
+          <a:fontRef idx="minor">
+            <a:schemeClr val="lt1"/>
+          </a:fontRef>
+        </p:style>
+        <p:txBody>
+          <a:bodyPr rtlCol="0" anchor="ctr"/>
+          <a:lstStyle/>
+          <a:p>
+            <a:pPr algn="ctr"/>
+            <a:endParaRPr lang="ko-KR" altLang="en-US"/>
+          </a:p>
+        </p:txBody>
+      </p:sp>
+      <p:sp>
+        <p:nvSpPr>
+          <p:cNvPr id="19" name="오른쪽 화살표 18"/>
+          <p:cNvSpPr/>
+          <p:nvPr/>
+        </p:nvSpPr>
+        <p:spPr>
+          <a:xfrm>
+            <a:off x="4500056" y="647088"/>
+            <a:ext cx="576000" cy="288032"/>
+          </a:xfrm>
+          <a:prstGeom prst="rightArrow">
+            <a:avLst/>
+          </a:prstGeom>
+          <a:solidFill>
+            <a:schemeClr val="bg1"/>
+          </a:solidFill>
+          <a:ln>
+            <a:solidFill>
+              <a:schemeClr val="bg1">
+                <a:lumMod val="50000"/>
+              </a:schemeClr>
+            </a:solidFill>
+          </a:ln>
+        </p:spPr>
+        <p:style>
+          <a:lnRef idx="2">
+            <a:schemeClr val="accent1">
+              <a:shade val="50000"/>
+            </a:schemeClr>
+          </a:lnRef>
+          <a:fillRef idx="1">
+            <a:schemeClr val="accent1"/>
+          </a:fillRef>
+          <a:effectRef idx="0">
+            <a:schemeClr val="accent1"/>
+          </a:effectRef>
+          <a:fontRef idx="minor">
+            <a:schemeClr val="lt1"/>
+          </a:fontRef>
+        </p:style>
+        <p:txBody>
+          <a:bodyPr rtlCol="0" anchor="ctr"/>
+          <a:lstStyle/>
+          <a:p>
+            <a:pPr algn="ctr"/>
+            <a:endParaRPr lang="ko-KR" altLang="en-US"/>
+          </a:p>
+        </p:txBody>
+      </p:sp>
+      <p:sp>
+        <p:nvSpPr>
+          <p:cNvPr id="21" name="오른쪽 화살표 20"/>
+          <p:cNvSpPr/>
+          <p:nvPr/>
+        </p:nvSpPr>
+        <p:spPr>
+          <a:xfrm rot="10800000">
+            <a:off x="4499976" y="935088"/>
+            <a:ext cx="576000" cy="288032"/>
+          </a:xfrm>
+          <a:prstGeom prst="rightArrow">
+            <a:avLst/>
+          </a:prstGeom>
+          <a:solidFill>
+            <a:schemeClr val="bg1"/>
+          </a:solidFill>
+          <a:ln>
+            <a:solidFill>
+              <a:schemeClr val="bg1">
+                <a:lumMod val="50000"/>
+              </a:schemeClr>
+            </a:solidFill>
+          </a:ln>
+        </p:spPr>
+        <p:style>
+          <a:lnRef idx="2">
+            <a:schemeClr val="accent1">
+              <a:shade val="50000"/>
+            </a:schemeClr>
+          </a:lnRef>
+          <a:fillRef idx="1">
+            <a:schemeClr val="accent1"/>
+          </a:fillRef>
+          <a:effectRef idx="0">
+            <a:schemeClr val="accent1"/>
+          </a:effectRef>
+          <a:fontRef idx="minor">
+            <a:schemeClr val="lt1"/>
+          </a:fontRef>
+        </p:style>
+        <p:txBody>
+          <a:bodyPr rtlCol="0" anchor="ctr"/>
+          <a:lstStyle/>
+          <a:p>
+            <a:pPr algn="ctr"/>
+            <a:endParaRPr lang="ko-KR" altLang="en-US"/>
+          </a:p>
+        </p:txBody>
+      </p:sp>
+      <p:sp>
+        <p:nvSpPr>
+          <p:cNvPr id="22" name="오른쪽 화살표 21"/>
+          <p:cNvSpPr/>
+          <p:nvPr/>
+        </p:nvSpPr>
+        <p:spPr>
+          <a:xfrm rot="5400000">
+            <a:off x="5562232" y="1628832"/>
+            <a:ext cx="576000" cy="288032"/>
+          </a:xfrm>
+          <a:prstGeom prst="rightArrow">
+            <a:avLst/>
+          </a:prstGeom>
+          <a:solidFill>
+            <a:schemeClr val="bg1"/>
+          </a:solidFill>
+          <a:ln>
+            <a:solidFill>
+              <a:schemeClr val="bg1">
+                <a:lumMod val="50000"/>
+              </a:schemeClr>
+            </a:solidFill>
+          </a:ln>
+        </p:spPr>
+        <p:style>
+          <a:lnRef idx="2">
+            <a:schemeClr val="accent1">
+              <a:shade val="50000"/>
+            </a:schemeClr>
+          </a:lnRef>
+          <a:fillRef idx="1">
+            <a:schemeClr val="accent1"/>
+          </a:fillRef>
+          <a:effectRef idx="0">
+            <a:schemeClr val="accent1"/>
+          </a:effectRef>
+          <a:fontRef idx="minor">
+            <a:schemeClr val="lt1"/>
+          </a:fontRef>
+        </p:style>
+        <p:txBody>
+          <a:bodyPr rtlCol="0" anchor="ctr"/>
+          <a:lstStyle/>
+          <a:p>
+            <a:pPr algn="ctr"/>
+            <a:endParaRPr lang="ko-KR" altLang="en-US"/>
+          </a:p>
+        </p:txBody>
+      </p:sp>
+      <p:sp>
+        <p:nvSpPr>
+          <p:cNvPr id="24" name="오른쪽 화살표 23"/>
+          <p:cNvSpPr/>
+          <p:nvPr/>
+        </p:nvSpPr>
+        <p:spPr>
+          <a:xfrm rot="16200000">
+            <a:off x="5850264" y="1628832"/>
+            <a:ext cx="576000" cy="288032"/>
+          </a:xfrm>
+          <a:prstGeom prst="rightArrow">
+            <a:avLst/>
+          </a:prstGeom>
+          <a:solidFill>
+            <a:schemeClr val="bg1"/>
+          </a:solidFill>
+          <a:ln>
+            <a:solidFill>
+              <a:schemeClr val="bg1">
+                <a:lumMod val="50000"/>
+              </a:schemeClr>
+            </a:solidFill>
+          </a:ln>
+        </p:spPr>
+        <p:style>
+          <a:lnRef idx="2">
+            <a:schemeClr val="accent1">
+              <a:shade val="50000"/>
+            </a:schemeClr>
+          </a:lnRef>
+          <a:fillRef idx="1">
+            <a:schemeClr val="accent1"/>
+          </a:fillRef>
+          <a:effectRef idx="0">
+            <a:schemeClr val="accent1"/>
+          </a:effectRef>
+          <a:fontRef idx="minor">
+            <a:schemeClr val="lt1"/>
+          </a:fontRef>
+        </p:style>
+        <p:txBody>
+          <a:bodyPr rtlCol="0" anchor="ctr"/>
+          <a:lstStyle/>
+          <a:p>
+            <a:pPr algn="ctr"/>
+            <a:endParaRPr lang="ko-KR" altLang="en-US"/>
+          </a:p>
+        </p:txBody>
+      </p:sp>
+      <p:sp>
+        <p:nvSpPr>
+          <p:cNvPr id="27" name="오른쪽 화살표 26"/>
+          <p:cNvSpPr/>
+          <p:nvPr/>
+        </p:nvSpPr>
+        <p:spPr>
+          <a:xfrm rot="5400000">
+            <a:off x="5562232" y="3357024"/>
+            <a:ext cx="576000" cy="288032"/>
+          </a:xfrm>
+          <a:prstGeom prst="rightArrow">
+            <a:avLst/>
+          </a:prstGeom>
+          <a:solidFill>
+            <a:schemeClr val="bg1"/>
+          </a:solidFill>
+          <a:ln>
+            <a:solidFill>
+              <a:schemeClr val="bg1">
+                <a:lumMod val="50000"/>
+              </a:schemeClr>
+            </a:solidFill>
+          </a:ln>
+        </p:spPr>
+        <p:style>
+          <a:lnRef idx="2">
+            <a:schemeClr val="accent1">
+              <a:shade val="50000"/>
+            </a:schemeClr>
+          </a:lnRef>
+          <a:fillRef idx="1">
+            <a:schemeClr val="accent1"/>
+          </a:fillRef>
+          <a:effectRef idx="0">
+            <a:schemeClr val="accent1"/>
+          </a:effectRef>
+          <a:fontRef idx="minor">
+            <a:schemeClr val="lt1"/>
+          </a:fontRef>
+        </p:style>
+        <p:txBody>
+          <a:bodyPr rtlCol="0" anchor="ctr"/>
+          <a:lstStyle/>
+          <a:p>
+            <a:pPr algn="ctr"/>
+            <a:endParaRPr lang="ko-KR" altLang="en-US"/>
+          </a:p>
+        </p:txBody>
+      </p:sp>
+      <p:sp>
+        <p:nvSpPr>
+          <p:cNvPr id="28" name="오른쪽 화살표 27"/>
+          <p:cNvSpPr/>
+          <p:nvPr/>
+        </p:nvSpPr>
+        <p:spPr>
+          <a:xfrm rot="16200000">
+            <a:off x="5850264" y="3357024"/>
+            <a:ext cx="576000" cy="288032"/>
+          </a:xfrm>
+          <a:prstGeom prst="rightArrow">
+            <a:avLst/>
+          </a:prstGeom>
+          <a:solidFill>
+            <a:schemeClr val="bg1"/>
+          </a:solidFill>
+          <a:ln>
+            <a:solidFill>
+              <a:schemeClr val="bg1">
+                <a:lumMod val="50000"/>
+              </a:schemeClr>
+            </a:solidFill>
+          </a:ln>
+        </p:spPr>
+        <p:style>
+          <a:lnRef idx="2">
+            <a:schemeClr val="accent1">
+              <a:shade val="50000"/>
+            </a:schemeClr>
+          </a:lnRef>
+          <a:fillRef idx="1">
+            <a:schemeClr val="accent1"/>
+          </a:fillRef>
+          <a:effectRef idx="0">
+            <a:schemeClr val="accent1"/>
+          </a:effectRef>
+          <a:fontRef idx="minor">
+            <a:schemeClr val="lt1"/>
+          </a:fontRef>
+        </p:style>
+        <p:txBody>
+          <a:bodyPr rtlCol="0" anchor="ctr"/>
+          <a:lstStyle/>
+          <a:p>
+            <a:pPr algn="ctr"/>
+            <a:endParaRPr lang="ko-KR" altLang="en-US"/>
+          </a:p>
+        </p:txBody>
+      </p:sp>
+      <p:sp>
+        <p:nvSpPr>
+          <p:cNvPr id="30" name="오른쪽 화살표 29"/>
+          <p:cNvSpPr/>
+          <p:nvPr/>
+        </p:nvSpPr>
+        <p:spPr>
+          <a:xfrm rot="8100000">
+            <a:off x="4042800" y="3305572"/>
+            <a:ext cx="648000" cy="288032"/>
+          </a:xfrm>
+          <a:prstGeom prst="rightArrow">
+            <a:avLst/>
+          </a:prstGeom>
+          <a:solidFill>
+            <a:schemeClr val="bg1"/>
+          </a:solidFill>
+          <a:ln>
+            <a:solidFill>
+              <a:schemeClr val="bg1">
+                <a:lumMod val="50000"/>
+              </a:schemeClr>
+            </a:solidFill>
+          </a:ln>
+        </p:spPr>
+        <p:style>
+          <a:lnRef idx="2">
+            <a:schemeClr val="accent1">
+              <a:shade val="50000"/>
+            </a:schemeClr>
+          </a:lnRef>
+          <a:fillRef idx="1">
+            <a:schemeClr val="accent1"/>
+          </a:fillRef>
+          <a:effectRef idx="0">
+            <a:schemeClr val="accent1"/>
+          </a:effectRef>
+          <a:fontRef idx="minor">
+            <a:schemeClr val="lt1"/>
+          </a:fontRef>
+        </p:style>
+        <p:txBody>
+          <a:bodyPr rtlCol="0" anchor="ctr"/>
+          <a:lstStyle/>
+          <a:p>
+            <a:pPr algn="ctr"/>
+            <a:endParaRPr lang="ko-KR" altLang="en-US"/>
+          </a:p>
+        </p:txBody>
+      </p:sp>
+      <p:sp>
+        <p:nvSpPr>
+          <p:cNvPr id="31" name="오른쪽 화살표 30"/>
+          <p:cNvSpPr/>
+          <p:nvPr/>
+        </p:nvSpPr>
+        <p:spPr>
+          <a:xfrm rot="18900000">
+            <a:off x="4399200" y="3305571"/>
+            <a:ext cx="648000" cy="288032"/>
+          </a:xfrm>
+          <a:prstGeom prst="rightArrow">
+            <a:avLst/>
+          </a:prstGeom>
+          <a:solidFill>
+            <a:schemeClr val="bg1"/>
+          </a:solidFill>
+          <a:ln>
+            <a:solidFill>
+              <a:schemeClr val="bg1">
+                <a:lumMod val="50000"/>
+              </a:schemeClr>
+            </a:solidFill>
+          </a:ln>
+        </p:spPr>
+        <p:style>
+          <a:lnRef idx="2">
+            <a:schemeClr val="accent1">
+              <a:shade val="50000"/>
+            </a:schemeClr>
+          </a:lnRef>
+          <a:fillRef idx="1">
+            <a:schemeClr val="accent1"/>
+          </a:fillRef>
+          <a:effectRef idx="0">
+            <a:schemeClr val="accent1"/>
+          </a:effectRef>
+          <a:fontRef idx="minor">
+            <a:schemeClr val="lt1"/>
+          </a:fontRef>
+        </p:style>
+        <p:txBody>
+          <a:bodyPr rtlCol="0" anchor="ctr"/>
+          <a:lstStyle/>
+          <a:p>
+            <a:pPr algn="ctr"/>
+            <a:endParaRPr lang="ko-KR" altLang="en-US"/>
+          </a:p>
+        </p:txBody>
+      </p:sp>
+      <p:sp>
+        <p:nvSpPr>
+          <p:cNvPr id="36" name="오른쪽 화살표 35"/>
+          <p:cNvSpPr/>
+          <p:nvPr/>
+        </p:nvSpPr>
+        <p:spPr>
+          <a:xfrm rot="13500000">
+            <a:off x="6948000" y="3305572"/>
+            <a:ext cx="648000" cy="288032"/>
+          </a:xfrm>
+          <a:prstGeom prst="rightArrow">
+            <a:avLst/>
+          </a:prstGeom>
+          <a:solidFill>
+            <a:schemeClr val="bg1"/>
+          </a:solidFill>
+          <a:ln>
+            <a:solidFill>
+              <a:schemeClr val="bg1">
+                <a:lumMod val="50000"/>
+              </a:schemeClr>
+            </a:solidFill>
+          </a:ln>
+        </p:spPr>
+        <p:style>
+          <a:lnRef idx="2">
+            <a:schemeClr val="accent1">
+              <a:shade val="50000"/>
+            </a:schemeClr>
+          </a:lnRef>
+          <a:fillRef idx="1">
+            <a:schemeClr val="accent1"/>
+          </a:fillRef>
+          <a:effectRef idx="0">
+            <a:schemeClr val="accent1"/>
+          </a:effectRef>
+          <a:fontRef idx="minor">
+            <a:schemeClr val="lt1"/>
+          </a:fontRef>
+        </p:style>
+        <p:txBody>
+          <a:bodyPr rtlCol="0" anchor="ctr"/>
+          <a:lstStyle/>
+          <a:p>
+            <a:pPr algn="ctr"/>
+            <a:endParaRPr lang="ko-KR" altLang="en-US"/>
+          </a:p>
+        </p:txBody>
+      </p:sp>
+      <p:sp>
+        <p:nvSpPr>
+          <p:cNvPr id="37" name="오른쪽 화살표 36"/>
+          <p:cNvSpPr/>
+          <p:nvPr/>
+        </p:nvSpPr>
+        <p:spPr>
+          <a:xfrm rot="2700000">
+            <a:off x="7308000" y="3305571"/>
+            <a:ext cx="648000" cy="288032"/>
+          </a:xfrm>
+          <a:prstGeom prst="rightArrow">
+            <a:avLst/>
+          </a:prstGeom>
+          <a:solidFill>
+            <a:schemeClr val="bg1"/>
+          </a:solidFill>
+          <a:ln>
+            <a:solidFill>
+              <a:schemeClr val="bg1">
+                <a:lumMod val="50000"/>
+              </a:schemeClr>
+            </a:solidFill>
+          </a:ln>
+        </p:spPr>
+        <p:style>
+          <a:lnRef idx="2">
+            <a:schemeClr val="accent1">
+              <a:shade val="50000"/>
+            </a:schemeClr>
+          </a:lnRef>
+          <a:fillRef idx="1">
+            <a:schemeClr val="accent1"/>
+          </a:fillRef>
+          <a:effectRef idx="0">
+            <a:schemeClr val="accent1"/>
+          </a:effectRef>
+          <a:fontRef idx="minor">
+            <a:schemeClr val="lt1"/>
+          </a:fontRef>
+        </p:style>
+        <p:txBody>
+          <a:bodyPr rtlCol="0" anchor="ctr"/>
+          <a:lstStyle/>
+          <a:p>
+            <a:pPr algn="ctr"/>
+            <a:endParaRPr lang="ko-KR" altLang="en-US"/>
+          </a:p>
+        </p:txBody>
+      </p:sp>
+      <p:sp>
+        <p:nvSpPr>
+          <p:cNvPr id="38" name="오른쪽 화살표 37"/>
+          <p:cNvSpPr/>
+          <p:nvPr/>
+        </p:nvSpPr>
+        <p:spPr>
+          <a:xfrm rot="5400000">
+            <a:off x="5570616" y="5085216"/>
+            <a:ext cx="576000" cy="288032"/>
+          </a:xfrm>
+          <a:prstGeom prst="rightArrow">
+            <a:avLst/>
+          </a:prstGeom>
+          <a:solidFill>
+            <a:schemeClr val="bg1"/>
+          </a:solidFill>
+          <a:ln>
+            <a:solidFill>
+              <a:schemeClr val="bg1">
+                <a:lumMod val="50000"/>
+              </a:schemeClr>
+            </a:solidFill>
+          </a:ln>
+        </p:spPr>
+        <p:style>
+          <a:lnRef idx="2">
+            <a:schemeClr val="accent1">
+              <a:shade val="50000"/>
+            </a:schemeClr>
+          </a:lnRef>
+          <a:fillRef idx="1">
+            <a:schemeClr val="accent1"/>
+          </a:fillRef>
+          <a:effectRef idx="0">
+            <a:schemeClr val="accent1"/>
+          </a:effectRef>
+          <a:fontRef idx="minor">
+            <a:schemeClr val="lt1"/>
+          </a:fontRef>
+        </p:style>
+        <p:txBody>
+          <a:bodyPr rtlCol="0" anchor="ctr"/>
+          <a:lstStyle/>
+          <a:p>
+            <a:pPr algn="ctr"/>
+            <a:endParaRPr lang="ko-KR" altLang="en-US"/>
+          </a:p>
+        </p:txBody>
+      </p:sp>
+      <p:sp>
+        <p:nvSpPr>
+          <p:cNvPr id="39" name="오른쪽 화살표 38"/>
+          <p:cNvSpPr/>
+          <p:nvPr/>
+        </p:nvSpPr>
+        <p:spPr>
+          <a:xfrm rot="16200000">
+            <a:off x="5858648" y="5085216"/>
+            <a:ext cx="576000" cy="288032"/>
+          </a:xfrm>
+          <a:prstGeom prst="rightArrow">
+            <a:avLst/>
+          </a:prstGeom>
+          <a:solidFill>
+            <a:schemeClr val="bg1"/>
+          </a:solidFill>
+          <a:ln>
+            <a:solidFill>
+              <a:schemeClr val="bg1">
+                <a:lumMod val="50000"/>
+              </a:schemeClr>
+            </a:solidFill>
+          </a:ln>
+        </p:spPr>
+        <p:style>
+          <a:lnRef idx="2">
+            <a:schemeClr val="accent1">
+              <a:shade val="50000"/>
+            </a:schemeClr>
+          </a:lnRef>
+          <a:fillRef idx="1">
+            <a:schemeClr val="accent1"/>
+          </a:fillRef>
+          <a:effectRef idx="0">
+            <a:schemeClr val="accent1"/>
+          </a:effectRef>
+          <a:fontRef idx="minor">
+            <a:schemeClr val="lt1"/>
+          </a:fontRef>
+        </p:style>
+        <p:txBody>
+          <a:bodyPr rtlCol="0" anchor="ctr"/>
+          <a:lstStyle/>
+          <a:p>
+            <a:pPr algn="ctr"/>
+            <a:endParaRPr lang="ko-KR" altLang="en-US"/>
+          </a:p>
+        </p:txBody>
+      </p:sp>
+      <p:sp>
+        <p:nvSpPr>
+          <p:cNvPr id="42" name="오른쪽 화살표 41"/>
+          <p:cNvSpPr/>
+          <p:nvPr/>
+        </p:nvSpPr>
+        <p:spPr>
+          <a:xfrm rot="5400000">
+            <a:off x="3725848" y="5085215"/>
+            <a:ext cx="576000" cy="288032"/>
+          </a:xfrm>
+          <a:prstGeom prst="rightArrow">
+            <a:avLst/>
+          </a:prstGeom>
+          <a:solidFill>
+            <a:schemeClr val="bg1"/>
+          </a:solidFill>
+          <a:ln>
+            <a:solidFill>
+              <a:schemeClr val="bg1">
+                <a:lumMod val="50000"/>
+              </a:schemeClr>
+            </a:solidFill>
+          </a:ln>
+        </p:spPr>
+        <p:style>
+          <a:lnRef idx="2">
+            <a:schemeClr val="accent1">
+              <a:shade val="50000"/>
+            </a:schemeClr>
+          </a:lnRef>
+          <a:fillRef idx="1">
+            <a:schemeClr val="accent1"/>
+          </a:fillRef>
+          <a:effectRef idx="0">
+            <a:schemeClr val="accent1"/>
+          </a:effectRef>
+          <a:fontRef idx="minor">
+            <a:schemeClr val="lt1"/>
+          </a:fontRef>
+        </p:style>
+        <p:txBody>
+          <a:bodyPr rtlCol="0" anchor="ctr"/>
+          <a:lstStyle/>
+          <a:p>
+            <a:pPr algn="ctr"/>
+            <a:endParaRPr lang="ko-KR" altLang="en-US"/>
+          </a:p>
+        </p:txBody>
+      </p:sp>
+      <p:sp>
+        <p:nvSpPr>
+          <p:cNvPr id="43" name="오른쪽 화살표 42"/>
+          <p:cNvSpPr/>
+          <p:nvPr/>
+        </p:nvSpPr>
+        <p:spPr>
+          <a:xfrm rot="16200000">
+            <a:off x="4013880" y="5085215"/>
+            <a:ext cx="576000" cy="288032"/>
+          </a:xfrm>
+          <a:prstGeom prst="rightArrow">
+            <a:avLst/>
+          </a:prstGeom>
+          <a:solidFill>
+            <a:schemeClr val="bg1"/>
+          </a:solidFill>
+          <a:ln>
+            <a:solidFill>
+              <a:schemeClr val="bg1">
+                <a:lumMod val="50000"/>
+              </a:schemeClr>
+            </a:solidFill>
+          </a:ln>
+        </p:spPr>
+        <p:style>
+          <a:lnRef idx="2">
+            <a:schemeClr val="accent1">
+              <a:shade val="50000"/>
+            </a:schemeClr>
+          </a:lnRef>
+          <a:fillRef idx="1">
+            <a:schemeClr val="accent1"/>
+          </a:fillRef>
+          <a:effectRef idx="0">
+            <a:schemeClr val="accent1"/>
+          </a:effectRef>
+          <a:fontRef idx="minor">
+            <a:schemeClr val="lt1"/>
+          </a:fontRef>
+        </p:style>
+        <p:txBody>
+          <a:bodyPr rtlCol="0" anchor="ctr"/>
+          <a:lstStyle/>
+          <a:p>
+            <a:pPr algn="ctr"/>
+            <a:endParaRPr lang="ko-KR" altLang="en-US"/>
+          </a:p>
+        </p:txBody>
+      </p:sp>
+      <p:sp>
+        <p:nvSpPr>
+          <p:cNvPr id="46" name="오른쪽 화살표 45"/>
+          <p:cNvSpPr/>
+          <p:nvPr/>
+        </p:nvSpPr>
+        <p:spPr>
+          <a:xfrm rot="5400000">
+            <a:off x="7362432" y="5085214"/>
+            <a:ext cx="576000" cy="288032"/>
+          </a:xfrm>
+          <a:prstGeom prst="rightArrow">
+            <a:avLst/>
+          </a:prstGeom>
+          <a:solidFill>
+            <a:schemeClr val="bg1"/>
+          </a:solidFill>
+          <a:ln>
+            <a:solidFill>
+              <a:schemeClr val="bg1">
+                <a:lumMod val="50000"/>
+              </a:schemeClr>
+            </a:solidFill>
+          </a:ln>
+        </p:spPr>
+        <p:style>
+          <a:lnRef idx="2">
+            <a:schemeClr val="accent1">
+              <a:shade val="50000"/>
+            </a:schemeClr>
+          </a:lnRef>
+          <a:fillRef idx="1">
+            <a:schemeClr val="accent1"/>
+          </a:fillRef>
+          <a:effectRef idx="0">
+            <a:schemeClr val="accent1"/>
+          </a:effectRef>
+          <a:fontRef idx="minor">
+            <a:schemeClr val="lt1"/>
+          </a:fontRef>
+        </p:style>
+        <p:txBody>
+          <a:bodyPr rtlCol="0" anchor="ctr"/>
+          <a:lstStyle/>
+          <a:p>
+            <a:pPr algn="ctr"/>
+            <a:endParaRPr lang="ko-KR" altLang="en-US"/>
+          </a:p>
+        </p:txBody>
+      </p:sp>
+      <p:sp>
+        <p:nvSpPr>
+          <p:cNvPr id="47" name="오른쪽 화살표 46"/>
+          <p:cNvSpPr/>
+          <p:nvPr/>
+        </p:nvSpPr>
+        <p:spPr>
+          <a:xfrm rot="16200000">
+            <a:off x="7650464" y="5085214"/>
+            <a:ext cx="576000" cy="288032"/>
+          </a:xfrm>
+          <a:prstGeom prst="rightArrow">
+            <a:avLst/>
+          </a:prstGeom>
+          <a:solidFill>
+            <a:schemeClr val="bg1"/>
+          </a:solidFill>
+          <a:ln>
+            <a:solidFill>
+              <a:schemeClr val="bg1">
+                <a:lumMod val="50000"/>
+              </a:schemeClr>
+            </a:solidFill>
+          </a:ln>
+        </p:spPr>
+        <p:style>
+          <a:lnRef idx="2">
+            <a:schemeClr val="accent1">
+              <a:shade val="50000"/>
+            </a:schemeClr>
+          </a:lnRef>
+          <a:fillRef idx="1">
+            <a:schemeClr val="accent1"/>
+          </a:fillRef>
+          <a:effectRef idx="0">
+            <a:schemeClr val="accent1"/>
+          </a:effectRef>
+          <a:fontRef idx="minor">
+            <a:schemeClr val="lt1"/>
+          </a:fontRef>
+        </p:style>
+        <p:txBody>
+          <a:bodyPr rtlCol="0" anchor="ctr"/>
+          <a:lstStyle/>
+          <a:p>
+            <a:pPr algn="ctr"/>
+            <a:endParaRPr lang="ko-KR" altLang="en-US"/>
           </a:p>
         </p:txBody>
       </p:sp>
